--- a/css/2022_style/img/footer.pptx
+++ b/css/2022_style/img/footer.pptx
@@ -2950,10 +2950,10 @@
       </p:grpSpPr>
       <p:grpSp>
         <p:nvGrpSpPr>
-          <p:cNvPr id="12" name="组合 11">
+          <p:cNvPr id="2" name="组合 1">
             <a:extLst>
               <a:ext uri="{FF2B5EF4-FFF2-40B4-BE49-F238E27FC236}">
-                <a16:creationId xmlns:a16="http://schemas.microsoft.com/office/drawing/2014/main" id="{3062C8F8-8B51-48A9-A788-E6E2B500811A}"/>
+                <a16:creationId xmlns:a16="http://schemas.microsoft.com/office/drawing/2014/main" id="{ED1986A8-FE92-4B9F-B2E7-3EB750DF5284}"/>
               </a:ext>
             </a:extLst>
           </p:cNvPr>
@@ -2963,9 +2963,9 @@
         <p:grpSpPr>
           <a:xfrm>
             <a:off x="1021301" y="2336776"/>
-            <a:ext cx="9635779" cy="1235007"/>
+            <a:ext cx="10608773" cy="1250396"/>
             <a:chOff x="1021301" y="2336776"/>
-            <a:chExt cx="9635779" cy="1235007"/>
+            <a:chExt cx="10608773" cy="1250396"/>
           </a:xfrm>
         </p:grpSpPr>
         <p:pic>
@@ -3101,7 +3101,7 @@
           </p:blipFill>
           <p:spPr>
             <a:xfrm>
-              <a:off x="6097438" y="2362178"/>
+              <a:off x="7386606" y="2374973"/>
               <a:ext cx="939848" cy="901746"/>
             </a:xfrm>
             <a:prstGeom prst="rect">
@@ -3161,7 +3161,7 @@
           </p:blipFill>
           <p:spPr>
             <a:xfrm>
-              <a:off x="7253922" y="2358686"/>
+              <a:off x="8543090" y="2371481"/>
               <a:ext cx="971600" cy="927148"/>
             </a:xfrm>
             <a:prstGeom prst="rect">
@@ -3191,7 +3191,7 @@
           </p:blipFill>
           <p:spPr>
             <a:xfrm>
-              <a:off x="8442158" y="2422505"/>
+              <a:off x="9731326" y="2435300"/>
               <a:ext cx="1898748" cy="755689"/>
             </a:xfrm>
             <a:prstGeom prst="rect">
@@ -3214,7 +3214,7 @@
           <p:spPr>
             <a:xfrm>
               <a:off x="1021301" y="3248618"/>
-              <a:ext cx="9635779" cy="323165"/>
+              <a:ext cx="10267491" cy="338554"/>
             </a:xfrm>
             <a:prstGeom prst="rect">
               <a:avLst/>
@@ -3228,7 +3228,7 @@
             <a:lstStyle/>
             <a:p>
               <a:r>
-                <a:rPr lang="en-US" sz="1500" dirty="0">
+                <a:rPr lang="en-US" sz="1600" dirty="0">
                   <a:solidFill>
                     <a:schemeClr val="tx1">
                       <a:lumMod val="50000"/>
@@ -3241,6 +3241,51 @@
             </a:p>
           </p:txBody>
         </p:sp>
+        <p:pic>
+          <p:nvPicPr>
+            <p:cNvPr id="1026" name="Picture 2" descr="See the source image">
+              <a:extLst>
+                <a:ext uri="{FF2B5EF4-FFF2-40B4-BE49-F238E27FC236}">
+                  <a16:creationId xmlns:a16="http://schemas.microsoft.com/office/drawing/2014/main" id="{3A3FD8A4-DFD1-4CEE-B106-F24DAA242E0A}"/>
+                </a:ext>
+              </a:extLst>
+            </p:cNvPr>
+            <p:cNvPicPr>
+              <a:picLocks noChangeAspect="1" noChangeArrowheads="1"/>
+            </p:cNvPicPr>
+            <p:nvPr/>
+          </p:nvPicPr>
+          <p:blipFill rotWithShape="1">
+            <a:blip r:embed="rId9">
+              <a:extLst>
+                <a:ext uri="{28A0092B-C50C-407E-A947-70E740481C1C}">
+                  <a14:useLocalDpi xmlns:a14="http://schemas.microsoft.com/office/drawing/2010/main" val="0"/>
+                </a:ext>
+              </a:extLst>
+            </a:blip>
+            <a:srcRect l="24235" t="5778" r="16430" b="50000"/>
+            <a:stretch/>
+          </p:blipFill>
+          <p:spPr bwMode="auto">
+            <a:xfrm>
+              <a:off x="6095096" y="2371481"/>
+              <a:ext cx="1130300" cy="842433"/>
+            </a:xfrm>
+            <a:prstGeom prst="rect">
+              <a:avLst/>
+            </a:prstGeom>
+            <a:noFill/>
+            <a:extLst>
+              <a:ext uri="{909E8E84-426E-40DD-AFC4-6F175D3DCCD1}">
+                <a14:hiddenFill xmlns:a14="http://schemas.microsoft.com/office/drawing/2010/main">
+                  <a:solidFill>
+                    <a:srgbClr val="FFFFFF"/>
+                  </a:solidFill>
+                </a14:hiddenFill>
+              </a:ext>
+            </a:extLst>
+          </p:spPr>
+        </p:pic>
       </p:grpSp>
     </p:spTree>
     <p:extLst>
